--- a/Project_Slides.pptx
+++ b/Project_Slides.pptx
@@ -109,6 +109,11 @@
       </a:defRPr>
     </a:lvl9pPr>
   </p:defaultTextStyle>
+  <p:extLst>
+    <p:ext uri="{EFAFB233-063F-42B5-8137-9DF3F51BA10A}">
+      <p15:sldGuideLst xmlns:p15="http://schemas.microsoft.com/office/powerpoint/2012/main"/>
+    </p:ext>
+  </p:extLst>
 </p:presentation>
 </file>
 
@@ -2988,7 +2993,7 @@
           <a:p>
             <a:r>
               <a:rPr lang="en-US" dirty="0" smtClean="0"/>
-              <a:t>Easy GEs</a:t>
+              <a:t>How to find Easy GEs</a:t>
             </a:r>
             <a:endParaRPr lang="en-US" dirty="0"/>
           </a:p>
@@ -4298,8 +4303,9 @@
           <a:p>
             <a:r>
               <a:rPr lang="en-US" dirty="0" smtClean="0"/>
-              <a:t>Found that grades obtained was correlated with:</a:t>
-            </a:r>
+              <a:t>Important Variables</a:t>
+            </a:r>
+            <a:endParaRPr lang="en-US" dirty="0" smtClean="0"/>
           </a:p>
           <a:p>
             <a:pPr lvl="1"/>
@@ -4312,8 +4318,13 @@
             <a:pPr lvl="1"/>
             <a:r>
               <a:rPr lang="en-US" dirty="0" smtClean="0"/>
-              <a:t>A course’s mean GPA</a:t>
-            </a:r>
+              <a:t>A course’s mean </a:t>
+            </a:r>
+            <a:r>
+              <a:rPr lang="en-US" dirty="0" smtClean="0"/>
+              <a:t>GPA</a:t>
+            </a:r>
+            <a:endParaRPr lang="en-US" dirty="0" smtClean="0"/>
           </a:p>
           <a:p>
             <a:pPr lvl="1"/>
@@ -4331,6 +4342,30 @@
           </a:p>
         </p:txBody>
       </p:sp>
+      <p:pic>
+        <p:nvPicPr>
+          <p:cNvPr id="6" name="Picture 5"/>
+          <p:cNvPicPr>
+            <a:picLocks noChangeAspect="1"/>
+          </p:cNvPicPr>
+          <p:nvPr/>
+        </p:nvPicPr>
+        <p:blipFill>
+          <a:blip r:embed="rId2"/>
+          <a:stretch>
+            <a:fillRect/>
+          </a:stretch>
+        </p:blipFill>
+        <p:spPr>
+          <a:xfrm>
+            <a:off x="4572000" y="3039902"/>
+            <a:ext cx="4000706" cy="3137061"/>
+          </a:xfrm>
+          <a:prstGeom prst="rect">
+            <a:avLst/>
+          </a:prstGeom>
+        </p:spPr>
+      </p:pic>
     </p:spTree>
     <p:extLst>
       <p:ext uri="{BB962C8B-B14F-4D97-AF65-F5344CB8AC3E}">
@@ -4394,91 +4429,145 @@
             <p:ph idx="1"/>
           </p:nvPr>
         </p:nvSpPr>
-        <p:spPr/>
+        <p:spPr>
+          <a:xfrm>
+            <a:off x="628650" y="1490472"/>
+            <a:ext cx="7886700" cy="4727448"/>
+          </a:xfrm>
+        </p:spPr>
         <p:txBody>
           <a:bodyPr>
-            <a:normAutofit lnSpcReduction="10000"/>
+            <a:normAutofit/>
           </a:bodyPr>
           <a:lstStyle/>
           <a:p>
             <a:r>
-              <a:rPr lang="en-US" dirty="0" smtClean="0"/>
+              <a:rPr lang="en-US" sz="2400" dirty="0" smtClean="0"/>
               <a:t>Used % of 4.0 GPAs as outcome variable</a:t>
             </a:r>
           </a:p>
           <a:p>
             <a:pPr lvl="1"/>
             <a:r>
-              <a:rPr lang="en-US" dirty="0" smtClean="0"/>
+              <a:rPr lang="en-US" sz="2000" dirty="0" smtClean="0"/>
               <a:t>If % &gt; Q3, we designated it as “good grades”</a:t>
             </a:r>
           </a:p>
           <a:p>
             <a:pPr lvl="1"/>
             <a:r>
-              <a:rPr lang="en-US" dirty="0" smtClean="0"/>
+              <a:rPr lang="en-US" sz="2000" dirty="0" smtClean="0"/>
               <a:t>Otherwise, it was “bad grades”</a:t>
             </a:r>
           </a:p>
           <a:p>
             <a:r>
-              <a:rPr lang="en-US" dirty="0" smtClean="0"/>
+              <a:rPr lang="en-US" sz="2400" dirty="0" smtClean="0"/>
               <a:t>Predictor Variables</a:t>
             </a:r>
           </a:p>
           <a:p>
             <a:pPr lvl="1"/>
             <a:r>
-              <a:rPr lang="en-US" dirty="0" smtClean="0"/>
+              <a:rPr lang="en-US" sz="2000" dirty="0" smtClean="0"/>
               <a:t>Department</a:t>
             </a:r>
           </a:p>
           <a:p>
             <a:pPr lvl="1"/>
             <a:r>
-              <a:rPr lang="en-US" dirty="0" smtClean="0"/>
+              <a:rPr lang="en-US" sz="2000" dirty="0" smtClean="0"/>
               <a:t>Professor Leniency</a:t>
             </a:r>
           </a:p>
           <a:p>
             <a:pPr lvl="1"/>
             <a:r>
-              <a:rPr lang="en-US" dirty="0" smtClean="0"/>
+              <a:rPr lang="en-US" sz="2000" dirty="0" smtClean="0"/>
+              <a:t>Course </a:t>
+            </a:r>
+            <a:r>
+              <a:rPr lang="en-US" sz="2000" dirty="0" smtClean="0"/>
+              <a:t>Difficulty</a:t>
+            </a:r>
+          </a:p>
+          <a:p>
+            <a:pPr lvl="1"/>
+            <a:r>
+              <a:rPr lang="en-US" sz="2000" dirty="0" smtClean="0"/>
+              <a:t>Term </a:t>
+            </a:r>
+            <a:r>
+              <a:rPr lang="en-US" sz="2000" dirty="0" smtClean="0"/>
+              <a:t>Quarter</a:t>
+            </a:r>
+          </a:p>
+          <a:p>
+            <a:pPr lvl="1"/>
+            <a:r>
+              <a:rPr lang="en-US" sz="2000" dirty="0"/>
               <a:t>Professor Frequency</a:t>
             </a:r>
           </a:p>
           <a:p>
             <a:pPr lvl="1"/>
             <a:r>
-              <a:rPr lang="en-US" dirty="0" smtClean="0"/>
-              <a:t>Class Size</a:t>
+              <a:rPr lang="en-US" sz="2000" dirty="0"/>
+              <a:t>Class </a:t>
+            </a:r>
+            <a:r>
+              <a:rPr lang="en-US" sz="2000" dirty="0" smtClean="0"/>
+              <a:t>Size</a:t>
+            </a:r>
+            <a:endParaRPr lang="en-US" sz="2000" dirty="0" smtClean="0"/>
+          </a:p>
+          <a:p>
+            <a:r>
+              <a:rPr lang="en-US" sz="2400" dirty="0" smtClean="0"/>
+              <a:t>Performed </a:t>
+            </a:r>
+            <a:r>
+              <a:rPr lang="en-US" sz="2400" dirty="0" smtClean="0"/>
+              <a:t>supervised classification</a:t>
             </a:r>
           </a:p>
           <a:p>
             <a:pPr lvl="1"/>
             <a:r>
-              <a:rPr lang="en-US" dirty="0" smtClean="0"/>
-              <a:t>Course Difficulty</a:t>
-            </a:r>
-          </a:p>
-          <a:p>
-            <a:pPr lvl="1"/>
-            <a:r>
-              <a:rPr lang="en-US" dirty="0" smtClean="0"/>
-              <a:t>Term Quarter</a:t>
-            </a:r>
-          </a:p>
-          <a:p>
-            <a:r>
-              <a:rPr lang="en-US" dirty="0" smtClean="0"/>
-              <a:t>Performed classification</a:t>
-            </a:r>
-          </a:p>
-          <a:p>
-            <a:endParaRPr lang="en-US" dirty="0"/>
-          </a:p>
-        </p:txBody>
-      </p:sp>
+              <a:rPr lang="en-US" sz="2000" dirty="0" smtClean="0"/>
+              <a:t>Limited GE dataset to Foundations of Scientific Inquiry</a:t>
+            </a:r>
+            <a:endParaRPr lang="en-US" sz="2000" dirty="0" smtClean="0"/>
+          </a:p>
+          <a:p>
+            <a:endParaRPr lang="en-US" sz="2400" dirty="0"/>
+          </a:p>
+        </p:txBody>
+      </p:sp>
+      <p:pic>
+        <p:nvPicPr>
+          <p:cNvPr id="4" name="Picture 3"/>
+          <p:cNvPicPr>
+            <a:picLocks noChangeAspect="1"/>
+          </p:cNvPicPr>
+          <p:nvPr/>
+        </p:nvPicPr>
+        <p:blipFill>
+          <a:blip r:embed="rId2"/>
+          <a:stretch>
+            <a:fillRect/>
+          </a:stretch>
+        </p:blipFill>
+        <p:spPr>
+          <a:xfrm>
+            <a:off x="3666744" y="2973637"/>
+            <a:ext cx="5218730" cy="1961335"/>
+          </a:xfrm>
+          <a:prstGeom prst="rect">
+            <a:avLst/>
+          </a:prstGeom>
+        </p:spPr>
+      </p:pic>
     </p:spTree>
     <p:extLst>
       <p:ext uri="{BB962C8B-B14F-4D97-AF65-F5344CB8AC3E}">
@@ -4551,14 +4640,14 @@
           <a:p>
             <a:r>
               <a:rPr lang="en-US" dirty="0" smtClean="0"/>
-              <a:t>Our model was accurate with F1-score of 0.6</a:t>
+              <a:t>Our model was accurate with F1-score of 0.583</a:t>
             </a:r>
           </a:p>
           <a:p>
             <a:pPr lvl="1"/>
             <a:r>
               <a:rPr lang="en-US" dirty="0" smtClean="0"/>
-              <a:t>Correctly labeled 75.25% of cases</a:t>
+              <a:t>Correctly labeled 73.6% of test cases</a:t>
             </a:r>
           </a:p>
           <a:p>
@@ -4578,52 +4667,29 @@
             <a:pPr lvl="1"/>
             <a:r>
               <a:rPr lang="en-US" dirty="0" smtClean="0"/>
-              <a:t>Professor Leniency (0.24)</a:t>
+              <a:t>Professor Leniency (0.25)</a:t>
             </a:r>
           </a:p>
           <a:p>
             <a:pPr lvl="1"/>
             <a:r>
               <a:rPr lang="en-US" dirty="0" smtClean="0"/>
-              <a:t>Course Difficulty (0.18)</a:t>
+              <a:t>Course Difficulty (0.20)</a:t>
             </a:r>
           </a:p>
           <a:p>
             <a:pPr lvl="1"/>
             <a:r>
               <a:rPr lang="en-US" dirty="0" smtClean="0"/>
-              <a:t>Class Size (0.11)</a:t>
+              <a:t>Class Size (0.12)</a:t>
             </a:r>
           </a:p>
           <a:p>
             <a:pPr lvl="1"/>
             <a:r>
               <a:rPr lang="en-US" dirty="0" smtClean="0"/>
-              <a:t>Professor Frequency (0.11)</a:t>
-            </a:r>
-          </a:p>
-          <a:p>
-            <a:pPr lvl="1"/>
-            <a:r>
-              <a:rPr lang="en-US" dirty="0" smtClean="0"/>
-              <a:t>LS </a:t>
-            </a:r>
-            <a:r>
-              <a:rPr lang="en-US" dirty="0"/>
-              <a:t>and </a:t>
-            </a:r>
-            <a:r>
-              <a:rPr lang="en-US" dirty="0" smtClean="0"/>
-              <a:t>Nursing Departments (0.04/0.03)</a:t>
-            </a:r>
-          </a:p>
-          <a:p>
-            <a:pPr lvl="1"/>
-            <a:r>
-              <a:rPr lang="en-US" dirty="0" smtClean="0"/>
-              <a:t>Summer Quarter (0.03)</a:t>
-            </a:r>
-            <a:endParaRPr lang="en-US" dirty="0"/>
+              <a:t>Professor Frequency (0.07)</a:t>
+            </a:r>
           </a:p>
         </p:txBody>
       </p:sp>
@@ -4692,39 +4758,71 @@
         </p:nvSpPr>
         <p:spPr/>
         <p:txBody>
-          <a:bodyPr/>
+          <a:bodyPr>
+            <a:normAutofit/>
+          </a:bodyPr>
           <a:lstStyle/>
           <a:p>
             <a:r>
               <a:rPr lang="en-US" dirty="0" smtClean="0"/>
-              <a:t>Further research could be done to verify causal relations between the variables</a:t>
-            </a:r>
-          </a:p>
-          <a:p>
+              <a:t>Adding student characteristics to the model</a:t>
+            </a:r>
+          </a:p>
+          <a:p>
+            <a:pPr lvl="1"/>
             <a:r>
               <a:rPr lang="en-US" dirty="0" smtClean="0"/>
-              <a:t>If we have data on students we can also add Student Aptitude into our model</a:t>
-            </a:r>
-          </a:p>
-          <a:p>
+              <a:t>Student major</a:t>
+            </a:r>
+          </a:p>
+          <a:p>
+            <a:pPr lvl="1"/>
             <a:r>
               <a:rPr lang="en-US" dirty="0" smtClean="0"/>
-              <a:t>Questions we could ask</a:t>
+              <a:t>Student GPA</a:t>
             </a:r>
           </a:p>
           <a:p>
             <a:pPr lvl="1"/>
             <a:r>
               <a:rPr lang="en-US" dirty="0" smtClean="0"/>
-              <a:t>How much say does the professor have in comparison to the department in determining grade distributions?</a:t>
+              <a:t>Student race/gender</a:t>
             </a:r>
           </a:p>
           <a:p>
             <a:pPr lvl="1"/>
             <a:r>
               <a:rPr lang="en-US" dirty="0" smtClean="0"/>
-              <a:t>Are big </a:t>
-            </a:r>
+              <a:t>Student class unit load</a:t>
+            </a:r>
+            <a:endParaRPr lang="en-US" dirty="0" smtClean="0"/>
+          </a:p>
+          <a:p>
+            <a:r>
+              <a:rPr lang="en-US" dirty="0" smtClean="0"/>
+              <a:t>Model selection by adding/dropping predictors</a:t>
+            </a:r>
+          </a:p>
+          <a:p>
+            <a:r>
+              <a:rPr lang="en-US" dirty="0" smtClean="0"/>
+              <a:t>Verify </a:t>
+            </a:r>
+            <a:r>
+              <a:rPr lang="en-US" dirty="0"/>
+              <a:t>causal relations between the </a:t>
+            </a:r>
+            <a:r>
+              <a:rPr lang="en-US" dirty="0" smtClean="0"/>
+              <a:t>predictors</a:t>
+            </a:r>
+          </a:p>
+          <a:p>
+            <a:r>
+              <a:rPr lang="en-US" dirty="0" smtClean="0"/>
+              <a:t>How can UCLA help students achieve success?</a:t>
+            </a:r>
+            <a:endParaRPr lang="en-US" dirty="0" smtClean="0"/>
           </a:p>
           <a:p>
             <a:pPr lvl="1"/>

--- a/Project_Slides.pptx
+++ b/Project_Slides.pptx
@@ -248,7 +248,7 @@
           <a:p>
             <a:fld id="{1ED510AF-F9B4-4E1A-954B-380C51C6E72A}" type="datetimeFigureOut">
               <a:rPr lang="en-US" smtClean="0"/>
-              <a:t>12/1/2018</a:t>
+              <a:t>12/5/2018</a:t>
             </a:fld>
             <a:endParaRPr lang="en-US"/>
           </a:p>
@@ -418,7 +418,7 @@
           <a:p>
             <a:fld id="{1ED510AF-F9B4-4E1A-954B-380C51C6E72A}" type="datetimeFigureOut">
               <a:rPr lang="en-US" smtClean="0"/>
-              <a:t>12/1/2018</a:t>
+              <a:t>12/5/2018</a:t>
             </a:fld>
             <a:endParaRPr lang="en-US"/>
           </a:p>
@@ -598,7 +598,7 @@
           <a:p>
             <a:fld id="{1ED510AF-F9B4-4E1A-954B-380C51C6E72A}" type="datetimeFigureOut">
               <a:rPr lang="en-US" smtClean="0"/>
-              <a:t>12/1/2018</a:t>
+              <a:t>12/5/2018</a:t>
             </a:fld>
             <a:endParaRPr lang="en-US"/>
           </a:p>
@@ -768,7 +768,7 @@
           <a:p>
             <a:fld id="{1ED510AF-F9B4-4E1A-954B-380C51C6E72A}" type="datetimeFigureOut">
               <a:rPr lang="en-US" smtClean="0"/>
-              <a:t>12/1/2018</a:t>
+              <a:t>12/5/2018</a:t>
             </a:fld>
             <a:endParaRPr lang="en-US"/>
           </a:p>
@@ -1012,7 +1012,7 @@
           <a:p>
             <a:fld id="{1ED510AF-F9B4-4E1A-954B-380C51C6E72A}" type="datetimeFigureOut">
               <a:rPr lang="en-US" smtClean="0"/>
-              <a:t>12/1/2018</a:t>
+              <a:t>12/5/2018</a:t>
             </a:fld>
             <a:endParaRPr lang="en-US"/>
           </a:p>
@@ -1244,7 +1244,7 @@
           <a:p>
             <a:fld id="{1ED510AF-F9B4-4E1A-954B-380C51C6E72A}" type="datetimeFigureOut">
               <a:rPr lang="en-US" smtClean="0"/>
-              <a:t>12/1/2018</a:t>
+              <a:t>12/5/2018</a:t>
             </a:fld>
             <a:endParaRPr lang="en-US"/>
           </a:p>
@@ -1611,7 +1611,7 @@
           <a:p>
             <a:fld id="{1ED510AF-F9B4-4E1A-954B-380C51C6E72A}" type="datetimeFigureOut">
               <a:rPr lang="en-US" smtClean="0"/>
-              <a:t>12/1/2018</a:t>
+              <a:t>12/5/2018</a:t>
             </a:fld>
             <a:endParaRPr lang="en-US"/>
           </a:p>
@@ -1729,7 +1729,7 @@
           <a:p>
             <a:fld id="{1ED510AF-F9B4-4E1A-954B-380C51C6E72A}" type="datetimeFigureOut">
               <a:rPr lang="en-US" smtClean="0"/>
-              <a:t>12/1/2018</a:t>
+              <a:t>12/5/2018</a:t>
             </a:fld>
             <a:endParaRPr lang="en-US"/>
           </a:p>
@@ -1824,7 +1824,7 @@
           <a:p>
             <a:fld id="{1ED510AF-F9B4-4E1A-954B-380C51C6E72A}" type="datetimeFigureOut">
               <a:rPr lang="en-US" smtClean="0"/>
-              <a:t>12/1/2018</a:t>
+              <a:t>12/5/2018</a:t>
             </a:fld>
             <a:endParaRPr lang="en-US"/>
           </a:p>
@@ -2101,7 +2101,7 @@
           <a:p>
             <a:fld id="{1ED510AF-F9B4-4E1A-954B-380C51C6E72A}" type="datetimeFigureOut">
               <a:rPr lang="en-US" smtClean="0"/>
-              <a:t>12/1/2018</a:t>
+              <a:t>12/5/2018</a:t>
             </a:fld>
             <a:endParaRPr lang="en-US"/>
           </a:p>
@@ -2358,7 +2358,7 @@
           <a:p>
             <a:fld id="{1ED510AF-F9B4-4E1A-954B-380C51C6E72A}" type="datetimeFigureOut">
               <a:rPr lang="en-US" smtClean="0"/>
-              <a:t>12/1/2018</a:t>
+              <a:t>12/5/2018</a:t>
             </a:fld>
             <a:endParaRPr lang="en-US"/>
           </a:p>
@@ -2571,7 +2571,7 @@
           <a:p>
             <a:fld id="{1ED510AF-F9B4-4E1A-954B-380C51C6E72A}" type="datetimeFigureOut">
               <a:rPr lang="en-US" smtClean="0"/>
-              <a:t>12/1/2018</a:t>
+              <a:t>12/5/2018</a:t>
             </a:fld>
             <a:endParaRPr lang="en-US"/>
           </a:p>
@@ -4305,7 +4305,6 @@
               <a:rPr lang="en-US" dirty="0" smtClean="0"/>
               <a:t>Important Variables</a:t>
             </a:r>
-            <a:endParaRPr lang="en-US" dirty="0" smtClean="0"/>
           </a:p>
           <a:p>
             <a:pPr lvl="1"/>
@@ -4318,13 +4317,8 @@
             <a:pPr lvl="1"/>
             <a:r>
               <a:rPr lang="en-US" dirty="0" smtClean="0"/>
-              <a:t>A course’s mean </a:t>
-            </a:r>
-            <a:r>
-              <a:rPr lang="en-US" dirty="0" smtClean="0"/>
-              <a:t>GPA</a:t>
-            </a:r>
-            <a:endParaRPr lang="en-US" dirty="0" smtClean="0"/>
+              <a:t>A course’s mean GPA</a:t>
+            </a:r>
           </a:p>
           <a:p>
             <a:pPr lvl="1"/>
@@ -4450,15 +4444,25 @@
             <a:pPr lvl="1"/>
             <a:r>
               <a:rPr lang="en-US" sz="2000" dirty="0" smtClean="0"/>
-              <a:t>If % &gt; Q3, we designated it as “good grades”</a:t>
-            </a:r>
+              <a:t>If % &gt; Q3, </a:t>
+            </a:r>
+            <a:r>
+              <a:rPr lang="en-US" sz="2000" dirty="0" smtClean="0"/>
+              <a:t>the course was “easy”</a:t>
+            </a:r>
+            <a:endParaRPr lang="en-US" sz="2000" dirty="0" smtClean="0"/>
           </a:p>
           <a:p>
             <a:pPr lvl="1"/>
             <a:r>
               <a:rPr lang="en-US" sz="2000" dirty="0" smtClean="0"/>
-              <a:t>Otherwise, it was “bad grades”</a:t>
-            </a:r>
+              <a:t>Otherwise, </a:t>
+            </a:r>
+            <a:r>
+              <a:rPr lang="en-US" sz="2000" dirty="0" smtClean="0"/>
+              <a:t>the course was “not easy”</a:t>
+            </a:r>
+            <a:endParaRPr lang="en-US" sz="2000" dirty="0" smtClean="0"/>
           </a:p>
           <a:p>
             <a:r>
@@ -4484,22 +4488,14 @@
             <a:pPr lvl="1"/>
             <a:r>
               <a:rPr lang="en-US" sz="2000" dirty="0" smtClean="0"/>
-              <a:t>Course </a:t>
-            </a:r>
+              <a:t>Course Difficulty</a:t>
+            </a:r>
+          </a:p>
+          <a:p>
+            <a:pPr lvl="1"/>
             <a:r>
               <a:rPr lang="en-US" sz="2000" dirty="0" smtClean="0"/>
-              <a:t>Difficulty</a:t>
-            </a:r>
-          </a:p>
-          <a:p>
-            <a:pPr lvl="1"/>
-            <a:r>
-              <a:rPr lang="en-US" sz="2000" dirty="0" smtClean="0"/>
-              <a:t>Term </a:t>
-            </a:r>
-            <a:r>
-              <a:rPr lang="en-US" sz="2000" dirty="0" smtClean="0"/>
-              <a:t>Quarter</a:t>
+              <a:t>Term Quarter</a:t>
             </a:r>
           </a:p>
           <a:p>
@@ -4519,17 +4515,17 @@
               <a:rPr lang="en-US" sz="2000" dirty="0" smtClean="0"/>
               <a:t>Size</a:t>
             </a:r>
-            <a:endParaRPr lang="en-US" sz="2000" dirty="0" smtClean="0"/>
           </a:p>
           <a:p>
             <a:r>
               <a:rPr lang="en-US" sz="2400" dirty="0" smtClean="0"/>
-              <a:t>Performed </a:t>
+              <a:t>Performed supervised </a:t>
             </a:r>
             <a:r>
               <a:rPr lang="en-US" sz="2400" dirty="0" smtClean="0"/>
-              <a:t>supervised classification</a:t>
-            </a:r>
+              <a:t>classification using Random Forest</a:t>
+            </a:r>
+            <a:endParaRPr lang="en-US" sz="2400" dirty="0" smtClean="0"/>
           </a:p>
           <a:p>
             <a:pPr lvl="1"/>
@@ -4537,7 +4533,6 @@
               <a:rPr lang="en-US" sz="2000" dirty="0" smtClean="0"/>
               <a:t>Limited GE dataset to Foundations of Scientific Inquiry</a:t>
             </a:r>
-            <a:endParaRPr lang="en-US" sz="2000" dirty="0" smtClean="0"/>
           </a:p>
           <a:p>
             <a:endParaRPr lang="en-US" sz="2400" dirty="0"/>
@@ -4640,59 +4635,99 @@
           <a:p>
             <a:r>
               <a:rPr lang="en-US" dirty="0" smtClean="0"/>
-              <a:t>Our model was accurate with F1-score of 0.583</a:t>
-            </a:r>
+              <a:t>Our model </a:t>
+            </a:r>
+            <a:r>
+              <a:rPr lang="en-US" dirty="0" smtClean="0"/>
+              <a:t>correctly labeled 80.53% of test cases</a:t>
+            </a:r>
+            <a:endParaRPr lang="en-US" dirty="0" smtClean="0"/>
           </a:p>
           <a:p>
             <a:pPr lvl="1"/>
             <a:r>
               <a:rPr lang="en-US" dirty="0" smtClean="0"/>
-              <a:t>Correctly labeled 73.6% of test cases</a:t>
-            </a:r>
+              <a:t>Correctly labeled 90.12% of “non-easy” science GEs</a:t>
+            </a:r>
+            <a:endParaRPr lang="en-US" dirty="0" smtClean="0"/>
           </a:p>
           <a:p>
             <a:pPr lvl="1"/>
             <a:r>
               <a:rPr lang="en-US" dirty="0" smtClean="0"/>
-              <a:t>Superior model that accounts for more factors</a:t>
-            </a:r>
+              <a:t>Correctly labeled 53.16% of “easy” science GEs</a:t>
+            </a:r>
+            <a:endParaRPr lang="en-US" dirty="0"/>
           </a:p>
           <a:p>
             <a:r>
               <a:rPr lang="en-US" dirty="0" smtClean="0"/>
-              <a:t>Most significant factors were (in order):</a:t>
-            </a:r>
+              <a:t>Superior </a:t>
+            </a:r>
+            <a:r>
+              <a:rPr lang="en-US" dirty="0" smtClean="0"/>
+              <a:t>model that accounts for more factors</a:t>
+            </a:r>
+          </a:p>
+          <a:p>
+            <a:r>
+              <a:rPr lang="en-US" dirty="0" smtClean="0"/>
+              <a:t>Significance scores revealed top 3 factors:</a:t>
+            </a:r>
+            <a:endParaRPr lang="en-US" dirty="0" smtClean="0"/>
           </a:p>
           <a:p>
             <a:pPr lvl="1"/>
             <a:r>
               <a:rPr lang="en-US" dirty="0" smtClean="0"/>
-              <a:t>Professor Leniency (0.25)</a:t>
+              <a:t>Professor </a:t>
+            </a:r>
+            <a:r>
+              <a:rPr lang="en-US" dirty="0" smtClean="0"/>
+              <a:t>Leniency</a:t>
             </a:r>
           </a:p>
           <a:p>
             <a:pPr lvl="1"/>
             <a:r>
               <a:rPr lang="en-US" dirty="0" smtClean="0"/>
-              <a:t>Course Difficulty (0.20)</a:t>
+              <a:t>Course Difficulty</a:t>
             </a:r>
           </a:p>
           <a:p>
             <a:pPr lvl="1"/>
             <a:r>
               <a:rPr lang="en-US" dirty="0" smtClean="0"/>
-              <a:t>Class Size (0.12)</a:t>
-            </a:r>
-          </a:p>
-          <a:p>
-            <a:pPr lvl="1"/>
-            <a:r>
-              <a:rPr lang="en-US" dirty="0" smtClean="0"/>
-              <a:t>Professor Frequency (0.07)</a:t>
-            </a:r>
-          </a:p>
-        </p:txBody>
-      </p:sp>
+              <a:t>Class Size</a:t>
+            </a:r>
+            <a:endParaRPr lang="en-US" dirty="0" smtClean="0"/>
+          </a:p>
+        </p:txBody>
+      </p:sp>
+      <p:pic>
+        <p:nvPicPr>
+          <p:cNvPr id="5" name="Picture 4"/>
+          <p:cNvPicPr>
+            <a:picLocks noChangeAspect="1"/>
+          </p:cNvPicPr>
+          <p:nvPr/>
+        </p:nvPicPr>
+        <p:blipFill>
+          <a:blip r:embed="rId2"/>
+          <a:stretch>
+            <a:fillRect/>
+          </a:stretch>
+        </p:blipFill>
+        <p:spPr>
+          <a:xfrm>
+            <a:off x="4663441" y="4132626"/>
+            <a:ext cx="3639312" cy="2533773"/>
+          </a:xfrm>
+          <a:prstGeom prst="rect">
+            <a:avLst/>
+          </a:prstGeom>
+        </p:spPr>
+      </p:pic>
     </p:spTree>
     <p:extLst>
       <p:ext uri="{BB962C8B-B14F-4D97-AF65-F5344CB8AC3E}">
@@ -4765,7 +4800,17 @@
           <a:p>
             <a:r>
               <a:rPr lang="en-US" dirty="0" smtClean="0"/>
-              <a:t>Adding student characteristics to the model</a:t>
+              <a:t>Expanding to include all GEs</a:t>
+            </a:r>
+          </a:p>
+          <a:p>
+            <a:r>
+              <a:rPr lang="en-US" dirty="0" smtClean="0"/>
+              <a:t>Adding </a:t>
+            </a:r>
+            <a:r>
+              <a:rPr lang="en-US" dirty="0" smtClean="0"/>
+              <a:t>student characteristics to the model</a:t>
             </a:r>
           </a:p>
           <a:p>
@@ -4795,7 +4840,6 @@
               <a:rPr lang="en-US" dirty="0" smtClean="0"/>
               <a:t>Student class unit load</a:t>
             </a:r>
-            <a:endParaRPr lang="en-US" dirty="0" smtClean="0"/>
           </a:p>
           <a:p>
             <a:r>
@@ -4816,16 +4860,6 @@
               <a:rPr lang="en-US" dirty="0" smtClean="0"/>
               <a:t>predictors</a:t>
             </a:r>
-          </a:p>
-          <a:p>
-            <a:r>
-              <a:rPr lang="en-US" dirty="0" smtClean="0"/>
-              <a:t>How can UCLA help students achieve success?</a:t>
-            </a:r>
-            <a:endParaRPr lang="en-US" dirty="0" smtClean="0"/>
-          </a:p>
-          <a:p>
-            <a:pPr lvl="1"/>
             <a:endParaRPr lang="en-US" dirty="0"/>
           </a:p>
           <a:p>
